--- a/2. Recognising Faces/Slides/2.3.pptx
+++ b/2. Recognising Faces/Slides/2.3.pptx
@@ -37,7 +37,7 @@
       <p:boldItalic r:id="rId20"/>
     </p:embeddedFont>
     <p:embeddedFont>
-      <p:font typeface="Roboto" panose="02000000000000000000" pitchFamily="2" charset="0"/>
+      <p:font typeface="Roboto"/>
       <p:regular r:id="rId21"/>
       <p:bold r:id="rId22"/>
       <p:italic r:id="rId23"/>
@@ -852,7 +852,35 @@
               <a:rPr lang="en-US" baseline="0" dirty="0"/>
               <a:t> of information that can be used in this slide</a:t>
             </a:r>
-            <a:endParaRPr lang="en-US" dirty="0"/>
+          </a:p>
+          <a:p>
+            <a:pPr lvl="0" rtl="0">
+              <a:spcBef>
+                <a:spcPts val="0"/>
+              </a:spcBef>
+              <a:buNone/>
+            </a:pPr>
+            <a:endParaRPr lang="en-US" baseline="0" dirty="0"/>
+          </a:p>
+          <a:p>
+            <a:pPr lvl="0" rtl="0">
+              <a:spcBef>
+                <a:spcPts val="0"/>
+              </a:spcBef>
+              <a:buNone/>
+            </a:pPr>
+            <a:r>
+              <a:rPr lang="en-US" dirty="0"/>
+              <a:t>https://</a:t>
+            </a:r>
+            <a:r>
+              <a:rPr lang="en-US" dirty="0" err="1"/>
+              <a:t>aws.amazon.com</a:t>
+            </a:r>
+            <a:r>
+              <a:rPr lang="en-US" dirty="0"/>
+              <a:t>/blogs/machine-learning/build-your-own-face-recognition-service-using-amazon-rekognition/</a:t>
+            </a:r>
           </a:p>
           <a:p>
             <a:pPr lvl="0" rtl="0">

--- a/2. Recognising Faces/Slides/2.3.pptx
+++ b/2. Recognising Faces/Slides/2.3.pptx
@@ -37,7 +37,7 @@
       <p:boldItalic r:id="rId20"/>
     </p:embeddedFont>
     <p:embeddedFont>
-      <p:font typeface="Roboto"/>
+      <p:font typeface="Roboto" panose="02000000000000000000" pitchFamily="2" charset="0"/>
       <p:regular r:id="rId21"/>
       <p:bold r:id="rId22"/>
       <p:italic r:id="rId23"/>
@@ -1422,8 +1422,215 @@
             </a:pPr>
             <a:r>
               <a:rPr lang="en-US" dirty="0"/>
-              <a:t>You’ll be prompted  </a:t>
-            </a:r>
+              <a:t>Here’s an example of this </a:t>
+            </a:r>
+            <a:r>
+              <a:rPr lang="en-US" dirty="0" err="1"/>
+              <a:t>configurtation</a:t>
+            </a:r>
+            <a:r>
+              <a:rPr lang="en-US" dirty="0"/>
+              <a:t> file called example-access-</a:t>
+            </a:r>
+            <a:r>
+              <a:rPr lang="en-US" dirty="0" err="1"/>
+              <a:t>policy.json</a:t>
+            </a:r>
+            <a:endParaRPr lang="en-US" dirty="0"/>
+          </a:p>
+          <a:p>
+            <a:pPr marL="0" marR="0" lvl="0" indent="0" algn="l" defTabSz="1828145" rtl="0" eaLnBrk="1" fontAlgn="auto" latinLnBrk="0" hangingPunct="1">
+              <a:lnSpc>
+                <a:spcPct val="100000"/>
+              </a:lnSpc>
+              <a:spcBef>
+                <a:spcPts val="0"/>
+              </a:spcBef>
+              <a:spcAft>
+                <a:spcPts val="0"/>
+              </a:spcAft>
+              <a:buClrTx/>
+              <a:buSzTx/>
+              <a:buFontTx/>
+              <a:buNone/>
+              <a:tabLst/>
+              <a:defRPr/>
+            </a:pPr>
+            <a:endParaRPr lang="en-US" dirty="0"/>
+          </a:p>
+          <a:p>
+            <a:pPr marL="0" marR="0" lvl="0" indent="0" algn="l" defTabSz="1828145" rtl="0" eaLnBrk="1" fontAlgn="auto" latinLnBrk="0" hangingPunct="1">
+              <a:lnSpc>
+                <a:spcPct val="100000"/>
+              </a:lnSpc>
+              <a:spcBef>
+                <a:spcPts val="0"/>
+              </a:spcBef>
+              <a:spcAft>
+                <a:spcPts val="0"/>
+              </a:spcAft>
+              <a:buClrTx/>
+              <a:buSzTx/>
+              <a:buFontTx/>
+              <a:buNone/>
+              <a:tabLst/>
+              <a:defRPr/>
+            </a:pPr>
+            <a:r>
+              <a:rPr lang="en-US" dirty="0"/>
+              <a:t>Here you can see bucket name, when prompted, copy this file to access-</a:t>
+            </a:r>
+            <a:r>
+              <a:rPr lang="en-US" dirty="0" err="1"/>
+              <a:t>policy.json</a:t>
+            </a:r>
+            <a:r>
+              <a:rPr lang="en-US" dirty="0"/>
+              <a:t> and ensure the bucket name is the one given from </a:t>
+            </a:r>
+            <a:r>
+              <a:rPr lang="en-US" dirty="0" err="1"/>
+              <a:t>aws-configure.sh</a:t>
+            </a:r>
+            <a:endParaRPr lang="en-US" dirty="0"/>
+          </a:p>
+          <a:p>
+            <a:pPr marL="0" marR="0" lvl="0" indent="0" algn="l" defTabSz="1828145" rtl="0" eaLnBrk="1" fontAlgn="auto" latinLnBrk="0" hangingPunct="1">
+              <a:lnSpc>
+                <a:spcPct val="100000"/>
+              </a:lnSpc>
+              <a:spcBef>
+                <a:spcPts val="0"/>
+              </a:spcBef>
+              <a:spcAft>
+                <a:spcPts val="0"/>
+              </a:spcAft>
+              <a:buClrTx/>
+              <a:buSzTx/>
+              <a:buFontTx/>
+              <a:buNone/>
+              <a:tabLst/>
+              <a:defRPr/>
+            </a:pPr>
+            <a:r>
+              <a:rPr lang="en-US" dirty="0"/>
+              <a:t>This ensure that the policy and the ability to access this bucket is consistent across our configuration</a:t>
+            </a:r>
+          </a:p>
+          <a:p>
+            <a:pPr marL="0" marR="0" lvl="0" indent="0" algn="l" defTabSz="1828145" rtl="0" eaLnBrk="1" fontAlgn="auto" latinLnBrk="0" hangingPunct="1">
+              <a:lnSpc>
+                <a:spcPct val="100000"/>
+              </a:lnSpc>
+              <a:spcBef>
+                <a:spcPts val="0"/>
+              </a:spcBef>
+              <a:spcAft>
+                <a:spcPts val="0"/>
+              </a:spcAft>
+              <a:buClrTx/>
+              <a:buSzTx/>
+              <a:buFontTx/>
+              <a:buNone/>
+              <a:tabLst/>
+              <a:defRPr/>
+            </a:pPr>
+            <a:endParaRPr lang="en-US" dirty="0"/>
+          </a:p>
+          <a:p>
+            <a:pPr marL="0" marR="0" lvl="0" indent="0" algn="l" defTabSz="1828145" rtl="0" eaLnBrk="1" fontAlgn="auto" latinLnBrk="0" hangingPunct="1">
+              <a:lnSpc>
+                <a:spcPct val="100000"/>
+              </a:lnSpc>
+              <a:spcBef>
+                <a:spcPts val="0"/>
+              </a:spcBef>
+              <a:spcAft>
+                <a:spcPts val="0"/>
+              </a:spcAft>
+              <a:buClrTx/>
+              <a:buSzTx/>
+              <a:buFontTx/>
+              <a:buNone/>
+              <a:tabLst/>
+              <a:defRPr/>
+            </a:pPr>
+            <a:r>
+              <a:rPr lang="en-US" dirty="0"/>
+              <a:t>The file lambda-</a:t>
+            </a:r>
+            <a:r>
+              <a:rPr lang="en-US" dirty="0" err="1"/>
+              <a:t>function.lambda</a:t>
+            </a:r>
+            <a:r>
+              <a:rPr lang="en-US" dirty="0"/>
+              <a:t>-</a:t>
+            </a:r>
+            <a:r>
+              <a:rPr lang="en-US" dirty="0" err="1"/>
+              <a:t>handler.py</a:t>
+            </a:r>
+            <a:r>
+              <a:rPr lang="en-US" dirty="0"/>
+              <a:t> contains the functionality required to access the S3 bucket for uploaded images and call AWS </a:t>
+            </a:r>
+            <a:r>
+              <a:rPr lang="en-US" dirty="0" err="1"/>
+              <a:t>Rekognition</a:t>
+            </a:r>
+            <a:r>
+              <a:rPr lang="en-US" dirty="0"/>
+              <a:t>.</a:t>
+            </a:r>
+          </a:p>
+          <a:p>
+            <a:pPr marL="0" marR="0" lvl="0" indent="0" algn="l" defTabSz="1828145" rtl="0" eaLnBrk="1" fontAlgn="auto" latinLnBrk="0" hangingPunct="1">
+              <a:lnSpc>
+                <a:spcPct val="100000"/>
+              </a:lnSpc>
+              <a:spcBef>
+                <a:spcPts val="0"/>
+              </a:spcBef>
+              <a:spcAft>
+                <a:spcPts val="0"/>
+              </a:spcAft>
+              <a:buClrTx/>
+              <a:buSzTx/>
+              <a:buFontTx/>
+              <a:buNone/>
+              <a:tabLst/>
+              <a:defRPr/>
+            </a:pPr>
+            <a:r>
+              <a:rPr lang="en-US" dirty="0"/>
+              <a:t>Simply copy this code into the AWS console where </a:t>
+            </a:r>
+            <a:r>
+              <a:rPr lang="en-US"/>
+              <a:t>the existing code is here.</a:t>
+            </a:r>
+            <a:endParaRPr lang="en-US" dirty="0"/>
+          </a:p>
+          <a:p>
+            <a:pPr marL="0" marR="0" lvl="0" indent="0" algn="l" defTabSz="1828145" rtl="0" eaLnBrk="1" fontAlgn="auto" latinLnBrk="0" hangingPunct="1">
+              <a:lnSpc>
+                <a:spcPct val="100000"/>
+              </a:lnSpc>
+              <a:spcBef>
+                <a:spcPts val="0"/>
+              </a:spcBef>
+              <a:spcAft>
+                <a:spcPts val="0"/>
+              </a:spcAft>
+              <a:buClrTx/>
+              <a:buSzTx/>
+              <a:buFontTx/>
+              <a:buNone/>
+              <a:tabLst/>
+              <a:defRPr/>
+            </a:pPr>
+            <a:endParaRPr lang="en-US" dirty="0"/>
           </a:p>
           <a:p>
             <a:pPr lvl="0">
